--- a/Part5/TableMeanErrosSTD.pptx
+++ b/Part5/TableMeanErrosSTD.pptx
@@ -6,6 +6,7 @@
   </p:sldMasterIdLst>
   <p:sldIdLst>
     <p:sldId id="256" r:id="rId2"/>
+    <p:sldId id="257" r:id="rId3"/>
   </p:sldIdLst>
   <p:sldSz cx="9144000" cy="6858000" type="screen4x3"/>
   <p:notesSz cx="6858000" cy="9144000"/>
@@ -288,6 +289,7 @@
           <a:p>
             <a:fld id="{637FB51B-8EC6-4718-8797-2C14652FC0E2}" type="datetimeFigureOut">
               <a:rPr lang="en-US" smtClean="0"/>
+              <a:pPr/>
               <a:t>16-Nov-17</a:t>
             </a:fld>
             <a:endParaRPr lang="en-US"/>
@@ -330,6 +332,7 @@
           <a:p>
             <a:fld id="{6431EBF9-83BF-4AC6-965D-A155C475BD41}" type="slidenum">
               <a:rPr lang="en-US" smtClean="0"/>
+              <a:pPr/>
               <a:t>‹#›</a:t>
             </a:fld>
             <a:endParaRPr lang="en-US"/>
@@ -453,6 +456,7 @@
           <a:p>
             <a:fld id="{637FB51B-8EC6-4718-8797-2C14652FC0E2}" type="datetimeFigureOut">
               <a:rPr lang="en-US" smtClean="0"/>
+              <a:pPr/>
               <a:t>16-Nov-17</a:t>
             </a:fld>
             <a:endParaRPr lang="en-US"/>
@@ -495,6 +499,7 @@
           <a:p>
             <a:fld id="{6431EBF9-83BF-4AC6-965D-A155C475BD41}" type="slidenum">
               <a:rPr lang="en-US" smtClean="0"/>
+              <a:pPr/>
               <a:t>‹#›</a:t>
             </a:fld>
             <a:endParaRPr lang="en-US"/>
@@ -628,6 +633,7 @@
           <a:p>
             <a:fld id="{637FB51B-8EC6-4718-8797-2C14652FC0E2}" type="datetimeFigureOut">
               <a:rPr lang="en-US" smtClean="0"/>
+              <a:pPr/>
               <a:t>16-Nov-17</a:t>
             </a:fld>
             <a:endParaRPr lang="en-US"/>
@@ -670,6 +676,7 @@
           <a:p>
             <a:fld id="{6431EBF9-83BF-4AC6-965D-A155C475BD41}" type="slidenum">
               <a:rPr lang="en-US" smtClean="0"/>
+              <a:pPr/>
               <a:t>‹#›</a:t>
             </a:fld>
             <a:endParaRPr lang="en-US"/>
@@ -793,6 +800,7 @@
           <a:p>
             <a:fld id="{637FB51B-8EC6-4718-8797-2C14652FC0E2}" type="datetimeFigureOut">
               <a:rPr lang="en-US" smtClean="0"/>
+              <a:pPr/>
               <a:t>16-Nov-17</a:t>
             </a:fld>
             <a:endParaRPr lang="en-US"/>
@@ -835,6 +843,7 @@
           <a:p>
             <a:fld id="{6431EBF9-83BF-4AC6-965D-A155C475BD41}" type="slidenum">
               <a:rPr lang="en-US" smtClean="0"/>
+              <a:pPr/>
               <a:t>‹#›</a:t>
             </a:fld>
             <a:endParaRPr lang="en-US"/>
@@ -1034,6 +1043,7 @@
           <a:p>
             <a:fld id="{637FB51B-8EC6-4718-8797-2C14652FC0E2}" type="datetimeFigureOut">
               <a:rPr lang="en-US" smtClean="0"/>
+              <a:pPr/>
               <a:t>16-Nov-17</a:t>
             </a:fld>
             <a:endParaRPr lang="en-US"/>
@@ -1076,6 +1086,7 @@
           <a:p>
             <a:fld id="{6431EBF9-83BF-4AC6-965D-A155C475BD41}" type="slidenum">
               <a:rPr lang="en-US" smtClean="0"/>
+              <a:pPr/>
               <a:t>‹#›</a:t>
             </a:fld>
             <a:endParaRPr lang="en-US"/>
@@ -1317,6 +1328,7 @@
           <a:p>
             <a:fld id="{637FB51B-8EC6-4718-8797-2C14652FC0E2}" type="datetimeFigureOut">
               <a:rPr lang="en-US" smtClean="0"/>
+              <a:pPr/>
               <a:t>16-Nov-17</a:t>
             </a:fld>
             <a:endParaRPr lang="en-US"/>
@@ -1359,6 +1371,7 @@
           <a:p>
             <a:fld id="{6431EBF9-83BF-4AC6-965D-A155C475BD41}" type="slidenum">
               <a:rPr lang="en-US" smtClean="0"/>
+              <a:pPr/>
               <a:t>‹#›</a:t>
             </a:fld>
             <a:endParaRPr lang="en-US"/>
@@ -1734,6 +1747,7 @@
           <a:p>
             <a:fld id="{637FB51B-8EC6-4718-8797-2C14652FC0E2}" type="datetimeFigureOut">
               <a:rPr lang="en-US" smtClean="0"/>
+              <a:pPr/>
               <a:t>16-Nov-17</a:t>
             </a:fld>
             <a:endParaRPr lang="en-US"/>
@@ -1776,6 +1790,7 @@
           <a:p>
             <a:fld id="{6431EBF9-83BF-4AC6-965D-A155C475BD41}" type="slidenum">
               <a:rPr lang="en-US" smtClean="0"/>
+              <a:pPr/>
               <a:t>‹#›</a:t>
             </a:fld>
             <a:endParaRPr lang="en-US"/>
@@ -1847,6 +1862,7 @@
           <a:p>
             <a:fld id="{637FB51B-8EC6-4718-8797-2C14652FC0E2}" type="datetimeFigureOut">
               <a:rPr lang="en-US" smtClean="0"/>
+              <a:pPr/>
               <a:t>16-Nov-17</a:t>
             </a:fld>
             <a:endParaRPr lang="en-US"/>
@@ -1889,6 +1905,7 @@
           <a:p>
             <a:fld id="{6431EBF9-83BF-4AC6-965D-A155C475BD41}" type="slidenum">
               <a:rPr lang="en-US" smtClean="0"/>
+              <a:pPr/>
               <a:t>‹#›</a:t>
             </a:fld>
             <a:endParaRPr lang="en-US"/>
@@ -1937,6 +1954,7 @@
           <a:p>
             <a:fld id="{637FB51B-8EC6-4718-8797-2C14652FC0E2}" type="datetimeFigureOut">
               <a:rPr lang="en-US" smtClean="0"/>
+              <a:pPr/>
               <a:t>16-Nov-17</a:t>
             </a:fld>
             <a:endParaRPr lang="en-US"/>
@@ -1979,6 +1997,7 @@
           <a:p>
             <a:fld id="{6431EBF9-83BF-4AC6-965D-A155C475BD41}" type="slidenum">
               <a:rPr lang="en-US" smtClean="0"/>
+              <a:pPr/>
               <a:t>‹#›</a:t>
             </a:fld>
             <a:endParaRPr lang="en-US"/>
@@ -2209,6 +2228,7 @@
           <a:p>
             <a:fld id="{637FB51B-8EC6-4718-8797-2C14652FC0E2}" type="datetimeFigureOut">
               <a:rPr lang="en-US" smtClean="0"/>
+              <a:pPr/>
               <a:t>16-Nov-17</a:t>
             </a:fld>
             <a:endParaRPr lang="en-US"/>
@@ -2251,6 +2271,7 @@
           <a:p>
             <a:fld id="{6431EBF9-83BF-4AC6-965D-A155C475BD41}" type="slidenum">
               <a:rPr lang="en-US" smtClean="0"/>
+              <a:pPr/>
               <a:t>‹#›</a:t>
             </a:fld>
             <a:endParaRPr lang="en-US"/>
@@ -2457,6 +2478,7 @@
           <a:p>
             <a:fld id="{637FB51B-8EC6-4718-8797-2C14652FC0E2}" type="datetimeFigureOut">
               <a:rPr lang="en-US" smtClean="0"/>
+              <a:pPr/>
               <a:t>16-Nov-17</a:t>
             </a:fld>
             <a:endParaRPr lang="en-US"/>
@@ -2499,6 +2521,7 @@
           <a:p>
             <a:fld id="{6431EBF9-83BF-4AC6-965D-A155C475BD41}" type="slidenum">
               <a:rPr lang="en-US" smtClean="0"/>
+              <a:pPr/>
               <a:t>‹#›</a:t>
             </a:fld>
             <a:endParaRPr lang="en-US"/>
@@ -2665,6 +2688,7 @@
           <a:p>
             <a:fld id="{637FB51B-8EC6-4718-8797-2C14652FC0E2}" type="datetimeFigureOut">
               <a:rPr lang="en-US" smtClean="0"/>
+              <a:pPr/>
               <a:t>16-Nov-17</a:t>
             </a:fld>
             <a:endParaRPr lang="en-US"/>
@@ -2743,6 +2767,7 @@
           <a:p>
             <a:fld id="{6431EBF9-83BF-4AC6-965D-A155C475BD41}" type="slidenum">
               <a:rPr lang="en-US" smtClean="0"/>
+              <a:pPr/>
               <a:t>‹#›</a:t>
             </a:fld>
             <a:endParaRPr lang="en-US"/>
@@ -3360,6 +3385,261 @@
 </p:sld>
 </file>
 
+<file path=ppt/slides/slide2.xml><?xml version="1.0" encoding="utf-8"?>
+<p:sld xmlns:a="http://schemas.openxmlformats.org/drawingml/2006/main" xmlns:r="http://schemas.openxmlformats.org/officeDocument/2006/relationships" xmlns:p="http://schemas.openxmlformats.org/presentationml/2006/main">
+  <p:cSld>
+    <p:spTree>
+      <p:nvGrpSpPr>
+        <p:cNvPr id="1" name=""/>
+        <p:cNvGrpSpPr/>
+        <p:nvPr/>
+      </p:nvGrpSpPr>
+      <p:grpSpPr>
+        <a:xfrm>
+          <a:off x="0" y="0"/>
+          <a:ext cx="0" cy="0"/>
+          <a:chOff x="0" y="0"/>
+          <a:chExt cx="0" cy="0"/>
+        </a:xfrm>
+      </p:grpSpPr>
+      <p:graphicFrame>
+        <p:nvGraphicFramePr>
+          <p:cNvPr id="4" name="Table 3"/>
+          <p:cNvGraphicFramePr>
+            <a:graphicFrameLocks noGrp="1"/>
+          </p:cNvGraphicFramePr>
+          <p:nvPr/>
+        </p:nvGraphicFramePr>
+        <p:xfrm>
+          <a:off x="1524000" y="1397000"/>
+          <a:ext cx="6324600" cy="4668520"/>
+        </p:xfrm>
+        <a:graphic>
+          <a:graphicData uri="http://schemas.openxmlformats.org/drawingml/2006/table">
+            <a:tbl>
+              <a:tblPr firstRow="1" bandRow="1">
+                <a:tableStyleId>{9D7B26C5-4107-4FEC-AEDC-1716B250A1EF}</a:tableStyleId>
+              </a:tblPr>
+              <a:tblGrid>
+                <a:gridCol w="2286000"/>
+                <a:gridCol w="4038600"/>
+              </a:tblGrid>
+              <a:tr h="370840">
+                <a:tc>
+                  <a:txBody>
+                    <a:bodyPr/>
+                    <a:lstStyle/>
+                    <a:p>
+                      <a:pPr algn="ctr"/>
+                      <a:endParaRPr lang="en-US" b="1" dirty="0"/>
+                    </a:p>
+                  </a:txBody>
+                  <a:tcPr anchor="ctr"/>
+                </a:tc>
+                <a:tc>
+                  <a:txBody>
+                    <a:bodyPr/>
+                    <a:lstStyle/>
+                    <a:p>
+                      <a:pPr algn="ctr"/>
+                      <a:r>
+                        <a:rPr lang="en-US" dirty="0" smtClean="0"/>
+                        <a:t>Test</a:t>
+                      </a:r>
+                      <a:r>
+                        <a:rPr lang="en-US" baseline="0" dirty="0" smtClean="0"/>
+                        <a:t> Error across Outer Folds</a:t>
+                      </a:r>
+                      <a:endParaRPr lang="en-US" dirty="0"/>
+                    </a:p>
+                  </a:txBody>
+                  <a:tcPr anchor="ctr"/>
+                </a:tc>
+              </a:tr>
+              <a:tr h="370840">
+                <a:tc>
+                  <a:txBody>
+                    <a:bodyPr/>
+                    <a:lstStyle/>
+                    <a:p>
+                      <a:pPr algn="ctr"/>
+                      <a:r>
+                        <a:rPr lang="en-US" b="1" dirty="0" smtClean="0"/>
+                        <a:t>Feature Selection</a:t>
+                      </a:r>
+                      <a:r>
+                        <a:rPr lang="en-US" b="1" baseline="0" dirty="0" smtClean="0"/>
+                        <a:t> (</a:t>
+                      </a:r>
+                      <a:r>
+                        <a:rPr lang="en-US" b="1" dirty="0" smtClean="0"/>
+                        <a:t>Fischer ranking)</a:t>
+                      </a:r>
+                      <a:endParaRPr lang="en-US" b="1" dirty="0"/>
+                    </a:p>
+                  </a:txBody>
+                  <a:tcPr anchor="ctr"/>
+                </a:tc>
+                <a:tc>
+                  <a:txBody>
+                    <a:bodyPr/>
+                    <a:lstStyle/>
+                    <a:p>
+                      <a:pPr algn="ctr"/>
+                      <a:r>
+                        <a:rPr lang="en-US" dirty="0" smtClean="0"/>
+                        <a:t>[0.1652,0.2213,0.0588,0.2308,0.0577,0.2692,0.1538,0.3365,0.2115,0.3084]</a:t>
+                      </a:r>
+                      <a:endParaRPr lang="en-US" dirty="0"/>
+                    </a:p>
+                  </a:txBody>
+                  <a:tcPr anchor="ctr"/>
+                </a:tc>
+              </a:tr>
+              <a:tr h="370840">
+                <a:tc>
+                  <a:txBody>
+                    <a:bodyPr/>
+                    <a:lstStyle/>
+                    <a:p>
+                      <a:pPr algn="ctr"/>
+                      <a:r>
+                        <a:rPr lang="en-US" b="1" dirty="0" smtClean="0"/>
+                        <a:t>Feature Selection (Fischer ranking) + Classifier</a:t>
+                      </a:r>
+                      <a:r>
+                        <a:rPr lang="en-US" b="1" baseline="0" dirty="0" smtClean="0"/>
+                        <a:t> Choice</a:t>
+                      </a:r>
+                      <a:endParaRPr lang="en-US" b="1" dirty="0"/>
+                    </a:p>
+                  </a:txBody>
+                  <a:tcPr anchor="ctr"/>
+                </a:tc>
+                <a:tc>
+                  <a:txBody>
+                    <a:bodyPr/>
+                    <a:lstStyle/>
+                    <a:p>
+                      <a:pPr algn="ctr"/>
+                      <a:r>
+                        <a:rPr lang="en-US" dirty="0" smtClean="0"/>
+                        <a:t>[0.1938,0.2633,0.2409,0.1538,0.2115,0.2692,0.2019,0.2404,0.1058,0.2225]</a:t>
+                      </a:r>
+                      <a:endParaRPr lang="en-US" dirty="0"/>
+                    </a:p>
+                  </a:txBody>
+                  <a:tcPr anchor="ctr"/>
+                </a:tc>
+              </a:tr>
+              <a:tr h="370840">
+                <a:tc>
+                  <a:txBody>
+                    <a:bodyPr/>
+                    <a:lstStyle/>
+                    <a:p>
+                      <a:pPr algn="ctr"/>
+                      <a:r>
+                        <a:rPr lang="en-US" b="1" dirty="0" smtClean="0"/>
+                        <a:t>Feature Selection (FFS)</a:t>
+                      </a:r>
+                      <a:endParaRPr lang="en-US" b="1" dirty="0"/>
+                    </a:p>
+                  </a:txBody>
+                  <a:tcPr anchor="ctr"/>
+                </a:tc>
+                <a:tc>
+                  <a:txBody>
+                    <a:bodyPr/>
+                    <a:lstStyle/>
+                    <a:p>
+                      <a:pPr algn="ctr"/>
+                      <a:r>
+                        <a:rPr lang="en-US" dirty="0" smtClean="0"/>
+                        <a:t>[0.3273,0.2115,0.2990,0.1635,0.2115,0.1923,0.1923,0.2500,0.0673,0.0965]</a:t>
+                      </a:r>
+                      <a:endParaRPr lang="en-US" dirty="0"/>
+                    </a:p>
+                  </a:txBody>
+                  <a:tcPr anchor="ctr"/>
+                </a:tc>
+              </a:tr>
+              <a:tr h="370840">
+                <a:tc>
+                  <a:txBody>
+                    <a:bodyPr/>
+                    <a:lstStyle/>
+                    <a:p>
+                      <a:pPr algn="ctr"/>
+                      <a:r>
+                        <a:rPr lang="en-US" b="1" dirty="0" smtClean="0"/>
+                        <a:t>Feature Engineering</a:t>
+                      </a:r>
+                      <a:r>
+                        <a:rPr lang="en-US" b="1" baseline="0" dirty="0" smtClean="0"/>
+                        <a:t> (PCA) + Feature Selection (Fischer ranking)</a:t>
+                      </a:r>
+                      <a:endParaRPr lang="en-US" b="1" dirty="0"/>
+                    </a:p>
+                  </a:txBody>
+                  <a:tcPr anchor="ctr"/>
+                </a:tc>
+                <a:tc>
+                  <a:txBody>
+                    <a:bodyPr/>
+                    <a:lstStyle/>
+                    <a:p>
+                      <a:pPr algn="ctr"/>
+                      <a:r>
+                        <a:rPr lang="en-US" dirty="0" smtClean="0"/>
+                        <a:t>[0.2021,0.2857,0.2500,0.2692,0.1635,0.2885,0.2692,0.1923,0.3462,0.1833]</a:t>
+                      </a:r>
+                      <a:endParaRPr lang="en-US" dirty="0"/>
+                    </a:p>
+                  </a:txBody>
+                  <a:tcPr anchor="ctr"/>
+                </a:tc>
+              </a:tr>
+              <a:tr h="370840">
+                <a:tc>
+                  <a:txBody>
+                    <a:bodyPr/>
+                    <a:lstStyle/>
+                    <a:p>
+                      <a:pPr algn="ctr"/>
+                      <a:r>
+                        <a:rPr lang="en-US" b="1" dirty="0" smtClean="0"/>
+                        <a:t>Feature Selection (FFS) + Classifier Choice</a:t>
+                      </a:r>
+                      <a:endParaRPr lang="en-US" b="1" dirty="0"/>
+                    </a:p>
+                  </a:txBody>
+                  <a:tcPr anchor="ctr"/>
+                </a:tc>
+                <a:tc>
+                  <a:txBody>
+                    <a:bodyPr/>
+                    <a:lstStyle/>
+                    <a:p>
+                      <a:pPr algn="ctr"/>
+                      <a:endParaRPr lang="en-US" dirty="0"/>
+                    </a:p>
+                  </a:txBody>
+                  <a:tcPr anchor="ctr"/>
+                </a:tc>
+              </a:tr>
+            </a:tbl>
+          </a:graphicData>
+        </a:graphic>
+      </p:graphicFrame>
+    </p:spTree>
+  </p:cSld>
+  <p:clrMapOvr>
+    <a:masterClrMapping/>
+  </p:clrMapOvr>
+</p:sld>
+</file>
+
 <file path=ppt/theme/theme1.xml><?xml version="1.0" encoding="utf-8"?>
 <a:theme xmlns:a="http://schemas.openxmlformats.org/drawingml/2006/main" name="Office Theme">
   <a:themeElements>

--- a/Part5/TableMeanErrosSTD.pptx
+++ b/Part5/TableMeanErrosSTD.pptx
@@ -290,7 +290,7 @@
             <a:fld id="{637FB51B-8EC6-4718-8797-2C14652FC0E2}" type="datetimeFigureOut">
               <a:rPr lang="en-US" smtClean="0"/>
               <a:pPr/>
-              <a:t>16-Nov-17</a:t>
+              <a:t>17-Nov-17</a:t>
             </a:fld>
             <a:endParaRPr lang="en-US"/>
           </a:p>
@@ -457,7 +457,7 @@
             <a:fld id="{637FB51B-8EC6-4718-8797-2C14652FC0E2}" type="datetimeFigureOut">
               <a:rPr lang="en-US" smtClean="0"/>
               <a:pPr/>
-              <a:t>16-Nov-17</a:t>
+              <a:t>17-Nov-17</a:t>
             </a:fld>
             <a:endParaRPr lang="en-US"/>
           </a:p>
@@ -634,7 +634,7 @@
             <a:fld id="{637FB51B-8EC6-4718-8797-2C14652FC0E2}" type="datetimeFigureOut">
               <a:rPr lang="en-US" smtClean="0"/>
               <a:pPr/>
-              <a:t>16-Nov-17</a:t>
+              <a:t>17-Nov-17</a:t>
             </a:fld>
             <a:endParaRPr lang="en-US"/>
           </a:p>
@@ -801,7 +801,7 @@
             <a:fld id="{637FB51B-8EC6-4718-8797-2C14652FC0E2}" type="datetimeFigureOut">
               <a:rPr lang="en-US" smtClean="0"/>
               <a:pPr/>
-              <a:t>16-Nov-17</a:t>
+              <a:t>17-Nov-17</a:t>
             </a:fld>
             <a:endParaRPr lang="en-US"/>
           </a:p>
@@ -1044,7 +1044,7 @@
             <a:fld id="{637FB51B-8EC6-4718-8797-2C14652FC0E2}" type="datetimeFigureOut">
               <a:rPr lang="en-US" smtClean="0"/>
               <a:pPr/>
-              <a:t>16-Nov-17</a:t>
+              <a:t>17-Nov-17</a:t>
             </a:fld>
             <a:endParaRPr lang="en-US"/>
           </a:p>
@@ -1329,7 +1329,7 @@
             <a:fld id="{637FB51B-8EC6-4718-8797-2C14652FC0E2}" type="datetimeFigureOut">
               <a:rPr lang="en-US" smtClean="0"/>
               <a:pPr/>
-              <a:t>16-Nov-17</a:t>
+              <a:t>17-Nov-17</a:t>
             </a:fld>
             <a:endParaRPr lang="en-US"/>
           </a:p>
@@ -1748,7 +1748,7 @@
             <a:fld id="{637FB51B-8EC6-4718-8797-2C14652FC0E2}" type="datetimeFigureOut">
               <a:rPr lang="en-US" smtClean="0"/>
               <a:pPr/>
-              <a:t>16-Nov-17</a:t>
+              <a:t>17-Nov-17</a:t>
             </a:fld>
             <a:endParaRPr lang="en-US"/>
           </a:p>
@@ -1863,7 +1863,7 @@
             <a:fld id="{637FB51B-8EC6-4718-8797-2C14652FC0E2}" type="datetimeFigureOut">
               <a:rPr lang="en-US" smtClean="0"/>
               <a:pPr/>
-              <a:t>16-Nov-17</a:t>
+              <a:t>17-Nov-17</a:t>
             </a:fld>
             <a:endParaRPr lang="en-US"/>
           </a:p>
@@ -1955,7 +1955,7 @@
             <a:fld id="{637FB51B-8EC6-4718-8797-2C14652FC0E2}" type="datetimeFigureOut">
               <a:rPr lang="en-US" smtClean="0"/>
               <a:pPr/>
-              <a:t>16-Nov-17</a:t>
+              <a:t>17-Nov-17</a:t>
             </a:fld>
             <a:endParaRPr lang="en-US"/>
           </a:p>
@@ -2229,7 +2229,7 @@
             <a:fld id="{637FB51B-8EC6-4718-8797-2C14652FC0E2}" type="datetimeFigureOut">
               <a:rPr lang="en-US" smtClean="0"/>
               <a:pPr/>
-              <a:t>16-Nov-17</a:t>
+              <a:t>17-Nov-17</a:t>
             </a:fld>
             <a:endParaRPr lang="en-US"/>
           </a:p>
@@ -2479,7 +2479,7 @@
             <a:fld id="{637FB51B-8EC6-4718-8797-2C14652FC0E2}" type="datetimeFigureOut">
               <a:rPr lang="en-US" smtClean="0"/>
               <a:pPr/>
-              <a:t>16-Nov-17</a:t>
+              <a:t>17-Nov-17</a:t>
             </a:fld>
             <a:endParaRPr lang="en-US"/>
           </a:p>
@@ -2689,7 +2689,7 @@
             <a:fld id="{637FB51B-8EC6-4718-8797-2C14652FC0E2}" type="datetimeFigureOut">
               <a:rPr lang="en-US" smtClean="0"/>
               <a:pPr/>
-              <a:t>16-Nov-17</a:t>
+              <a:t>17-Nov-17</a:t>
             </a:fld>
             <a:endParaRPr lang="en-US"/>
           </a:p>
@@ -3356,6 +3356,10 @@
                     <a:lstStyle/>
                     <a:p>
                       <a:pPr algn="ctr"/>
+                      <a:r>
+                        <a:rPr lang="en-US" dirty="0" smtClean="0"/>
+                        <a:t>0.1691</a:t>
+                      </a:r>
                       <a:endParaRPr lang="en-US" dirty="0"/>
                     </a:p>
                   </a:txBody>
@@ -3367,6 +3371,10 @@
                     <a:lstStyle/>
                     <a:p>
                       <a:pPr algn="ctr"/>
+                      <a:r>
+                        <a:rPr lang="en-US" dirty="0" smtClean="0"/>
+                        <a:t>0.0466</a:t>
+                      </a:r>
                       <a:endParaRPr lang="en-US" dirty="0"/>
                     </a:p>
                   </a:txBody>
@@ -3622,6 +3630,10 @@
                     <a:lstStyle/>
                     <a:p>
                       <a:pPr algn="ctr"/>
+                      <a:r>
+                        <a:rPr lang="en-US" smtClean="0"/>
+                        <a:t>[0.1833,0.1758,0.0812,0.2596,0.1442,0.1538,0.2019,0.1442,0.1538,0.1931]</a:t>
+                      </a:r>
                       <a:endParaRPr lang="en-US" dirty="0"/>
                     </a:p>
                   </a:txBody>

--- a/Part5/TableMeanErrosSTD.pptx
+++ b/Part5/TableMeanErrosSTD.pptx
@@ -290,7 +290,7 @@
             <a:fld id="{637FB51B-8EC6-4718-8797-2C14652FC0E2}" type="datetimeFigureOut">
               <a:rPr lang="en-US" smtClean="0"/>
               <a:pPr/>
-              <a:t>17-Nov-17</a:t>
+              <a:t>18-Nov-17</a:t>
             </a:fld>
             <a:endParaRPr lang="en-US"/>
           </a:p>
@@ -457,7 +457,7 @@
             <a:fld id="{637FB51B-8EC6-4718-8797-2C14652FC0E2}" type="datetimeFigureOut">
               <a:rPr lang="en-US" smtClean="0"/>
               <a:pPr/>
-              <a:t>17-Nov-17</a:t>
+              <a:t>18-Nov-17</a:t>
             </a:fld>
             <a:endParaRPr lang="en-US"/>
           </a:p>
@@ -634,7 +634,7 @@
             <a:fld id="{637FB51B-8EC6-4718-8797-2C14652FC0E2}" type="datetimeFigureOut">
               <a:rPr lang="en-US" smtClean="0"/>
               <a:pPr/>
-              <a:t>17-Nov-17</a:t>
+              <a:t>18-Nov-17</a:t>
             </a:fld>
             <a:endParaRPr lang="en-US"/>
           </a:p>
@@ -801,7 +801,7 @@
             <a:fld id="{637FB51B-8EC6-4718-8797-2C14652FC0E2}" type="datetimeFigureOut">
               <a:rPr lang="en-US" smtClean="0"/>
               <a:pPr/>
-              <a:t>17-Nov-17</a:t>
+              <a:t>18-Nov-17</a:t>
             </a:fld>
             <a:endParaRPr lang="en-US"/>
           </a:p>
@@ -1044,7 +1044,7 @@
             <a:fld id="{637FB51B-8EC6-4718-8797-2C14652FC0E2}" type="datetimeFigureOut">
               <a:rPr lang="en-US" smtClean="0"/>
               <a:pPr/>
-              <a:t>17-Nov-17</a:t>
+              <a:t>18-Nov-17</a:t>
             </a:fld>
             <a:endParaRPr lang="en-US"/>
           </a:p>
@@ -1329,7 +1329,7 @@
             <a:fld id="{637FB51B-8EC6-4718-8797-2C14652FC0E2}" type="datetimeFigureOut">
               <a:rPr lang="en-US" smtClean="0"/>
               <a:pPr/>
-              <a:t>17-Nov-17</a:t>
+              <a:t>18-Nov-17</a:t>
             </a:fld>
             <a:endParaRPr lang="en-US"/>
           </a:p>
@@ -1748,7 +1748,7 @@
             <a:fld id="{637FB51B-8EC6-4718-8797-2C14652FC0E2}" type="datetimeFigureOut">
               <a:rPr lang="en-US" smtClean="0"/>
               <a:pPr/>
-              <a:t>17-Nov-17</a:t>
+              <a:t>18-Nov-17</a:t>
             </a:fld>
             <a:endParaRPr lang="en-US"/>
           </a:p>
@@ -1863,7 +1863,7 @@
             <a:fld id="{637FB51B-8EC6-4718-8797-2C14652FC0E2}" type="datetimeFigureOut">
               <a:rPr lang="en-US" smtClean="0"/>
               <a:pPr/>
-              <a:t>17-Nov-17</a:t>
+              <a:t>18-Nov-17</a:t>
             </a:fld>
             <a:endParaRPr lang="en-US"/>
           </a:p>
@@ -1955,7 +1955,7 @@
             <a:fld id="{637FB51B-8EC6-4718-8797-2C14652FC0E2}" type="datetimeFigureOut">
               <a:rPr lang="en-US" smtClean="0"/>
               <a:pPr/>
-              <a:t>17-Nov-17</a:t>
+              <a:t>18-Nov-17</a:t>
             </a:fld>
             <a:endParaRPr lang="en-US"/>
           </a:p>
@@ -2229,7 +2229,7 @@
             <a:fld id="{637FB51B-8EC6-4718-8797-2C14652FC0E2}" type="datetimeFigureOut">
               <a:rPr lang="en-US" smtClean="0"/>
               <a:pPr/>
-              <a:t>17-Nov-17</a:t>
+              <a:t>18-Nov-17</a:t>
             </a:fld>
             <a:endParaRPr lang="en-US"/>
           </a:p>
@@ -2479,7 +2479,7 @@
             <a:fld id="{637FB51B-8EC6-4718-8797-2C14652FC0E2}" type="datetimeFigureOut">
               <a:rPr lang="en-US" smtClean="0"/>
               <a:pPr/>
-              <a:t>17-Nov-17</a:t>
+              <a:t>18-Nov-17</a:t>
             </a:fld>
             <a:endParaRPr lang="en-US"/>
           </a:p>
@@ -2689,7 +2689,7 @@
             <a:fld id="{637FB51B-8EC6-4718-8797-2C14652FC0E2}" type="datetimeFigureOut">
               <a:rPr lang="en-US" smtClean="0"/>
               <a:pPr/>
-              <a:t>17-Nov-17</a:t>
+              <a:t>18-Nov-17</a:t>
             </a:fld>
             <a:endParaRPr lang="en-US"/>
           </a:p>
@@ -3147,7 +3147,11 @@
                       </a:r>
                       <a:r>
                         <a:rPr lang="en-US" b="1" dirty="0" smtClean="0"/>
-                        <a:t>Fischer ranking)</a:t>
+                        <a:t>Fisher </a:t>
+                      </a:r>
+                      <a:r>
+                        <a:rPr lang="en-US" b="1" dirty="0" smtClean="0"/>
+                        <a:t>ranking)</a:t>
                       </a:r>
                       <a:endParaRPr lang="en-US" b="1" dirty="0"/>
                     </a:p>
@@ -3194,7 +3198,15 @@
                       <a:pPr algn="ctr"/>
                       <a:r>
                         <a:rPr lang="en-US" b="1" dirty="0" smtClean="0"/>
-                        <a:t>Feature Selection (Fischer ranking) + Classifier</a:t>
+                        <a:t>Feature Selection (</a:t>
+                      </a:r>
+                      <a:r>
+                        <a:rPr lang="en-US" b="1" dirty="0" smtClean="0"/>
+                        <a:t>Fisher </a:t>
+                      </a:r>
+                      <a:r>
+                        <a:rPr lang="en-US" b="1" dirty="0" smtClean="0"/>
+                        <a:t>ranking) + Classifier</a:t>
                       </a:r>
                       <a:r>
                         <a:rPr lang="en-US" b="1" baseline="0" dirty="0" smtClean="0"/>
@@ -3296,7 +3308,19 @@
                       </a:r>
                       <a:r>
                         <a:rPr lang="en-US" b="1" baseline="0" dirty="0" smtClean="0"/>
-                        <a:t> (PCA) + Feature Selection (Fischer ranking)</a:t>
+                        <a:t> (PCA) + Feature Selection </a:t>
+                      </a:r>
+                      <a:r>
+                        <a:rPr lang="en-US" b="1" baseline="0" smtClean="0"/>
+                        <a:t>(</a:t>
+                      </a:r>
+                      <a:r>
+                        <a:rPr lang="en-US" b="1" baseline="0" smtClean="0"/>
+                        <a:t>Fisher </a:t>
+                      </a:r>
+                      <a:r>
+                        <a:rPr lang="en-US" b="1" baseline="0" dirty="0" smtClean="0"/>
+                        <a:t>ranking)</a:t>
                       </a:r>
                       <a:endParaRPr lang="en-US" b="1" dirty="0"/>
                     </a:p>
